--- a/outline_intermediate.pptx
+++ b/outline_intermediate.pptx
@@ -3204,11 +3204,7 @@
           <a:p>
             <a:r>
               <a:rPr lang="en-GB" dirty="0" smtClean="0"/>
-              <a:t>Intermediate (KS2+) </a:t>
-            </a:r>
-            <a:r>
-              <a:rPr lang="en-GB" dirty="0" smtClean="0"/>
-              <a:t>version</a:t>
+              <a:t>Intermediate (KS2+) version</a:t>
             </a:r>
             <a:endParaRPr lang="en-GB" dirty="0"/>
           </a:p>
@@ -3265,11 +3261,7 @@
             </a:r>
             <a:r>
               <a:rPr lang="en-GB" dirty="0" smtClean="0"/>
-              <a:t>. </a:t>
-            </a:r>
-            <a:r>
-              <a:rPr lang="en-GB" dirty="0" smtClean="0"/>
-              <a:t>Select rocket</a:t>
+              <a:t>. Select rocket</a:t>
             </a:r>
             <a:endParaRPr lang="en-GB" dirty="0"/>
           </a:p>
@@ -3577,7 +3569,7 @@
         </p:blipFill>
         <p:spPr bwMode="auto">
           <a:xfrm>
-            <a:off x="5772005" y="1854646"/>
+            <a:off x="6337347" y="1854646"/>
             <a:ext cx="360000" cy="360000"/>
           </a:xfrm>
           <a:prstGeom prst="rect">
@@ -7797,18 +7789,29 @@
                   <a:sysClr val="windowText" lastClr="000000"/>
                 </a:solidFill>
               </a:rPr>
-              <a:t>Cost: ₴200</a:t>
-            </a:r>
-          </a:p>
-          <a:p>
+              <a:t>Budget: </a:t>
+            </a:r>
             <a:r>
               <a:rPr lang="en-GB" sz="1400" dirty="0" smtClean="0">
                 <a:solidFill>
                   <a:sysClr val="windowText" lastClr="000000"/>
                 </a:solidFill>
               </a:rPr>
-              <a:t>Size: medium</a:t>
-            </a:r>
+              <a:t>₴</a:t>
+            </a:r>
+            <a:r>
+              <a:rPr lang="en-GB" sz="1400" dirty="0" smtClean="0">
+                <a:solidFill>
+                  <a:sysClr val="windowText" lastClr="000000"/>
+                </a:solidFill>
+              </a:rPr>
+              <a:t>200</a:t>
+            </a:r>
+            <a:endParaRPr lang="en-GB" sz="1400" dirty="0" smtClean="0">
+              <a:solidFill>
+                <a:sysClr val="windowText" lastClr="000000"/>
+              </a:solidFill>
+            </a:endParaRPr>
           </a:p>
         </p:txBody>
       </p:sp>
@@ -7992,19 +7995,25 @@
                   <a:sysClr val="windowText" lastClr="000000"/>
                 </a:solidFill>
               </a:rPr>
-              <a:t>Cost: ₴100</a:t>
-            </a:r>
-          </a:p>
-          <a:p>
+              <a:t>Budget: </a:t>
+            </a:r>
             <a:r>
               <a:rPr lang="en-GB" sz="1400" dirty="0" smtClean="0">
                 <a:solidFill>
                   <a:sysClr val="windowText" lastClr="000000"/>
                 </a:solidFill>
               </a:rPr>
-              <a:t>Size: small</a:t>
-            </a:r>
-            <a:endParaRPr lang="en-GB" sz="1400" dirty="0">
+              <a:t>₴</a:t>
+            </a:r>
+            <a:r>
+              <a:rPr lang="en-GB" sz="1400" dirty="0" smtClean="0">
+                <a:solidFill>
+                  <a:sysClr val="windowText" lastClr="000000"/>
+                </a:solidFill>
+              </a:rPr>
+              <a:t>100</a:t>
+            </a:r>
+            <a:endParaRPr lang="en-GB" sz="1400" dirty="0" smtClean="0">
               <a:solidFill>
                 <a:sysClr val="windowText" lastClr="000000"/>
               </a:solidFill>
@@ -8501,17 +8510,15 @@
                   <a:sysClr val="windowText" lastClr="000000"/>
                 </a:solidFill>
               </a:rPr>
-              <a:t>Cost: ₴100</a:t>
-            </a:r>
-          </a:p>
-          <a:p>
+              <a:t>Budget: </a:t>
+            </a:r>
             <a:r>
               <a:rPr lang="en-GB" sz="1400" dirty="0" smtClean="0">
                 <a:solidFill>
                   <a:sysClr val="windowText" lastClr="000000"/>
                 </a:solidFill>
               </a:rPr>
-              <a:t>Size: small</a:t>
+              <a:t>₴100</a:t>
             </a:r>
           </a:p>
           <a:p>
@@ -8602,35 +8609,38 @@
             </a:endParaRPr>
           </a:p>
           <a:p>
+            <a:endParaRPr lang="en-GB" sz="1400" dirty="0" smtClean="0">
+              <a:solidFill>
+                <a:sysClr val="windowText" lastClr="000000"/>
+              </a:solidFill>
+            </a:endParaRPr>
+          </a:p>
+          <a:p>
             <a:r>
               <a:rPr lang="en-GB" sz="1400" dirty="0" smtClean="0">
                 <a:solidFill>
                   <a:sysClr val="windowText" lastClr="000000"/>
                 </a:solidFill>
               </a:rPr>
-              <a:t>Cost: ₴200</a:t>
-            </a:r>
-          </a:p>
-          <a:p>
+              <a:t>Budget: </a:t>
+            </a:r>
             <a:r>
               <a:rPr lang="en-GB" sz="1400" dirty="0" smtClean="0">
                 <a:solidFill>
                   <a:sysClr val="windowText" lastClr="000000"/>
                 </a:solidFill>
               </a:rPr>
-              <a:t>Size: medium</a:t>
-            </a:r>
-          </a:p>
-          <a:p>
+              <a:t>₴</a:t>
+            </a:r>
             <a:r>
               <a:rPr lang="en-GB" sz="1400" dirty="0" smtClean="0">
                 <a:solidFill>
                   <a:sysClr val="windowText" lastClr="000000"/>
                 </a:solidFill>
               </a:rPr>
-              <a:t>=</a:t>
-            </a:r>
-            <a:endParaRPr lang="en-GB" sz="1400" dirty="0">
+              <a:t>200</a:t>
+            </a:r>
+            <a:endParaRPr lang="en-GB" sz="1400" dirty="0" smtClean="0">
               <a:solidFill>
                 <a:sysClr val="windowText" lastClr="000000"/>
               </a:solidFill>
@@ -8681,20 +8691,31 @@
           <a:p>
             <a:pPr algn="ctr"/>
             <a:r>
+              <a:rPr lang="en-GB" sz="1400" b="1" dirty="0" smtClean="0">
+                <a:solidFill>
+                  <a:sysClr val="windowText" lastClr="000000"/>
+                </a:solidFill>
+              </a:rPr>
+              <a:t>Satellite TV</a:t>
+            </a:r>
+          </a:p>
+          <a:p>
+            <a:pPr algn="ctr"/>
+            <a:endParaRPr lang="en-GB" sz="1400" dirty="0" smtClean="0">
+              <a:solidFill>
+                <a:sysClr val="windowText" lastClr="000000"/>
+              </a:solidFill>
+            </a:endParaRPr>
+          </a:p>
+          <a:p>
+            <a:pPr algn="ctr"/>
+            <a:r>
               <a:rPr lang="en-GB" sz="1400" dirty="0" smtClean="0">
                 <a:solidFill>
                   <a:sysClr val="windowText" lastClr="000000"/>
                 </a:solidFill>
               </a:rPr>
-              <a:t>Satell</a:t>
-            </a:r>
-            <a:r>
-              <a:rPr lang="en-GB" sz="1400" b="1" dirty="0" smtClean="0">
-                <a:solidFill>
-                  <a:sysClr val="windowText" lastClr="000000"/>
-                </a:solidFill>
-              </a:rPr>
-              <a:t>i</a:t>
+              <a:t>Provide </a:t>
             </a:r>
             <a:r>
               <a:rPr lang="en-GB" sz="1400" dirty="0" smtClean="0">
@@ -8702,7 +8723,7 @@
                   <a:sysClr val="windowText" lastClr="000000"/>
                 </a:solidFill>
               </a:rPr>
-              <a:t>te TV</a:t>
+              <a:t>satellite TV</a:t>
             </a:r>
           </a:p>
           <a:p>
@@ -8714,43 +8735,49 @@
             </a:endParaRPr>
           </a:p>
           <a:p>
-            <a:pPr algn="ctr"/>
+            <a:endParaRPr lang="en-GB" sz="1400" dirty="0" smtClean="0">
+              <a:solidFill>
+                <a:sysClr val="windowText" lastClr="000000"/>
+              </a:solidFill>
+            </a:endParaRPr>
+          </a:p>
+          <a:p>
+            <a:endParaRPr lang="en-GB" sz="1400" dirty="0">
+              <a:solidFill>
+                <a:sysClr val="windowText" lastClr="000000"/>
+              </a:solidFill>
+            </a:endParaRPr>
+          </a:p>
+          <a:p>
             <a:r>
               <a:rPr lang="en-GB" sz="1400" dirty="0" smtClean="0">
                 <a:solidFill>
                   <a:sysClr val="windowText" lastClr="000000"/>
                 </a:solidFill>
               </a:rPr>
-              <a:t>Provide satellite TV</a:t>
-            </a:r>
-          </a:p>
-          <a:p>
-            <a:pPr algn="ctr"/>
-            <a:endParaRPr lang="en-GB" sz="1400" dirty="0">
-              <a:solidFill>
-                <a:sysClr val="windowText" lastClr="000000"/>
-              </a:solidFill>
-            </a:endParaRPr>
-          </a:p>
-          <a:p>
+              <a:t>Budget: </a:t>
+            </a:r>
             <a:r>
               <a:rPr lang="en-GB" sz="1400" dirty="0" smtClean="0">
                 <a:solidFill>
                   <a:sysClr val="windowText" lastClr="000000"/>
                 </a:solidFill>
               </a:rPr>
-              <a:t>Cost: ₴500</a:t>
-            </a:r>
-          </a:p>
-          <a:p>
+              <a:t>₴</a:t>
+            </a:r>
             <a:r>
               <a:rPr lang="en-GB" sz="1400" dirty="0" smtClean="0">
                 <a:solidFill>
                   <a:sysClr val="windowText" lastClr="000000"/>
                 </a:solidFill>
               </a:rPr>
-              <a:t>Size: large</a:t>
-            </a:r>
+              <a:t>500</a:t>
+            </a:r>
+            <a:endParaRPr lang="en-GB" sz="1400" dirty="0" smtClean="0">
+              <a:solidFill>
+                <a:sysClr val="windowText" lastClr="000000"/>
+              </a:solidFill>
+            </a:endParaRPr>
           </a:p>
         </p:txBody>
       </p:sp>
@@ -9087,18 +9114,29 @@
                   <a:sysClr val="windowText" lastClr="000000"/>
                 </a:solidFill>
               </a:rPr>
-              <a:t>Cost: ₴500</a:t>
-            </a:r>
-          </a:p>
-          <a:p>
+              <a:t>Budget: </a:t>
+            </a:r>
             <a:r>
               <a:rPr lang="en-GB" sz="1400" dirty="0" smtClean="0">
                 <a:solidFill>
                   <a:sysClr val="windowText" lastClr="000000"/>
                 </a:solidFill>
               </a:rPr>
-              <a:t>Size: medium</a:t>
-            </a:r>
+              <a:t>₴</a:t>
+            </a:r>
+            <a:r>
+              <a:rPr lang="en-GB" sz="1400" dirty="0" smtClean="0">
+                <a:solidFill>
+                  <a:sysClr val="windowText" lastClr="000000"/>
+                </a:solidFill>
+              </a:rPr>
+              <a:t>500</a:t>
+            </a:r>
+            <a:endParaRPr lang="en-GB" sz="1400" dirty="0" smtClean="0">
+              <a:solidFill>
+                <a:sysClr val="windowText" lastClr="000000"/>
+              </a:solidFill>
+            </a:endParaRPr>
           </a:p>
         </p:txBody>
       </p:sp>
@@ -9187,18 +9225,29 @@
                   <a:sysClr val="windowText" lastClr="000000"/>
                 </a:solidFill>
               </a:rPr>
-              <a:t>Cost: ₴200</a:t>
-            </a:r>
-          </a:p>
-          <a:p>
+              <a:t>Budget: </a:t>
+            </a:r>
             <a:r>
               <a:rPr lang="en-GB" sz="1400" dirty="0" smtClean="0">
                 <a:solidFill>
                   <a:sysClr val="windowText" lastClr="000000"/>
                 </a:solidFill>
               </a:rPr>
-              <a:t>Size: medium</a:t>
-            </a:r>
+              <a:t>₴</a:t>
+            </a:r>
+            <a:r>
+              <a:rPr lang="en-GB" sz="1400" dirty="0" smtClean="0">
+                <a:solidFill>
+                  <a:sysClr val="windowText" lastClr="000000"/>
+                </a:solidFill>
+              </a:rPr>
+              <a:t>200</a:t>
+            </a:r>
+            <a:endParaRPr lang="en-GB" sz="1400" dirty="0" smtClean="0">
+              <a:solidFill>
+                <a:sysClr val="windowText" lastClr="000000"/>
+              </a:solidFill>
+            </a:endParaRPr>
           </a:p>
         </p:txBody>
       </p:sp>
@@ -9287,18 +9336,29 @@
                   <a:sysClr val="windowText" lastClr="000000"/>
                 </a:solidFill>
               </a:rPr>
-              <a:t>Cost: ₴500</a:t>
-            </a:r>
-          </a:p>
-          <a:p>
+              <a:t>Budget: </a:t>
+            </a:r>
             <a:r>
               <a:rPr lang="en-GB" sz="1400" dirty="0" smtClean="0">
                 <a:solidFill>
                   <a:sysClr val="windowText" lastClr="000000"/>
                 </a:solidFill>
               </a:rPr>
-              <a:t>Size: large</a:t>
-            </a:r>
+              <a:t>₴</a:t>
+            </a:r>
+            <a:r>
+              <a:rPr lang="en-GB" sz="1400" dirty="0" smtClean="0">
+                <a:solidFill>
+                  <a:sysClr val="windowText" lastClr="000000"/>
+                </a:solidFill>
+              </a:rPr>
+              <a:t>500</a:t>
+            </a:r>
+            <a:endParaRPr lang="en-GB" sz="1400" dirty="0" smtClean="0">
+              <a:solidFill>
+                <a:sysClr val="windowText" lastClr="000000"/>
+              </a:solidFill>
+            </a:endParaRPr>
           </a:p>
         </p:txBody>
       </p:sp>
@@ -9381,25 +9441,38 @@
             </a:endParaRPr>
           </a:p>
           <a:p>
+            <a:endParaRPr lang="en-GB" sz="1400" dirty="0" smtClean="0">
+              <a:solidFill>
+                <a:sysClr val="windowText" lastClr="000000"/>
+              </a:solidFill>
+            </a:endParaRPr>
+          </a:p>
+          <a:p>
             <a:r>
               <a:rPr lang="en-GB" sz="1400" dirty="0" smtClean="0">
                 <a:solidFill>
                   <a:sysClr val="windowText" lastClr="000000"/>
                 </a:solidFill>
               </a:rPr>
-              <a:t>Cost: ₴200</a:t>
-            </a:r>
-          </a:p>
-          <a:p>
+              <a:t>Budget: </a:t>
+            </a:r>
             <a:r>
               <a:rPr lang="en-GB" sz="1400" dirty="0" smtClean="0">
                 <a:solidFill>
                   <a:sysClr val="windowText" lastClr="000000"/>
                 </a:solidFill>
               </a:rPr>
-              <a:t>Size: medium</a:t>
-            </a:r>
-            <a:endParaRPr lang="en-GB" sz="1400" dirty="0">
+              <a:t>₴</a:t>
+            </a:r>
+            <a:r>
+              <a:rPr lang="en-GB" sz="1400" dirty="0" smtClean="0">
+                <a:solidFill>
+                  <a:sysClr val="windowText" lastClr="000000"/>
+                </a:solidFill>
+              </a:rPr>
+              <a:t>200</a:t>
+            </a:r>
+            <a:endParaRPr lang="en-GB" sz="1400" dirty="0" smtClean="0">
               <a:solidFill>
                 <a:sysClr val="windowText" lastClr="000000"/>
               </a:solidFill>
@@ -9625,7 +9698,7 @@
             <a:pPr algn="r"/>
             <a:r>
               <a:rPr lang="en-GB" sz="2800" dirty="0" smtClean="0"/>
-              <a:t>Build</a:t>
+              <a:t>Size</a:t>
             </a:r>
             <a:endParaRPr lang="en-GB" sz="2800" dirty="0"/>
           </a:p>
@@ -12228,6 +12301,49 @@
           </p:txBody>
         </p:sp>
       </p:grpSp>
+      <p:sp>
+        <p:nvSpPr>
+          <p:cNvPr id="56" name="TextBox 55"/>
+          <p:cNvSpPr txBox="1"/>
+          <p:nvPr/>
+        </p:nvSpPr>
+        <p:spPr>
+          <a:xfrm>
+            <a:off x="853848" y="4838106"/>
+            <a:ext cx="1871991" cy="646331"/>
+          </a:xfrm>
+          <a:prstGeom prst="rect">
+            <a:avLst/>
+          </a:prstGeom>
+          <a:noFill/>
+          <a:ln w="28575">
+            <a:solidFill>
+              <a:srgbClr val="FF0000"/>
+            </a:solidFill>
+          </a:ln>
+        </p:spPr>
+        <p:txBody>
+          <a:bodyPr wrap="square" rtlCol="0">
+            <a:spAutoFit/>
+          </a:bodyPr>
+          <a:lstStyle/>
+          <a:p>
+            <a:r>
+              <a:rPr lang="en-GB" dirty="0" smtClean="0">
+                <a:solidFill>
+                  <a:srgbClr val="FF0000"/>
+                </a:solidFill>
+              </a:rPr>
+              <a:t>Cost, base power requirement</a:t>
+            </a:r>
+            <a:endParaRPr lang="en-GB" dirty="0">
+              <a:solidFill>
+                <a:srgbClr val="FF0000"/>
+              </a:solidFill>
+            </a:endParaRPr>
+          </a:p>
+        </p:txBody>
+      </p:sp>
     </p:spTree>
     <p:extLst>
       <p:ext uri="{BB962C8B-B14F-4D97-AF65-F5344CB8AC3E}">
@@ -12303,7 +12419,26 @@
                   <a:srgbClr val="FF0000"/>
                 </a:solidFill>
               </a:rPr>
-              <a:t>Not in use for intermittent</a:t>
+              <a:t>Not in use for </a:t>
+            </a:r>
+            <a:r>
+              <a:rPr lang="en-GB" dirty="0" smtClean="0">
+                <a:solidFill>
+                  <a:srgbClr val="FF0000"/>
+                </a:solidFill>
+              </a:rPr>
+              <a:t>intermittent</a:t>
+            </a:r>
+          </a:p>
+          <a:p>
+            <a:pPr algn="ctr"/>
+            <a:r>
+              <a:rPr lang="en-GB" dirty="0" smtClean="0">
+                <a:solidFill>
+                  <a:srgbClr val="FF0000"/>
+                </a:solidFill>
+              </a:rPr>
+              <a:t>Orbit assumed to be LEO</a:t>
             </a:r>
             <a:endParaRPr lang="en-GB" dirty="0">
               <a:solidFill>
@@ -12806,7 +12941,15 @@
                   <a:srgbClr val="FF0000"/>
                 </a:solidFill>
               </a:rPr>
-              <a:t>Check boxes automatically checked when completed.</a:t>
+              <a:t>Ticked automatically </a:t>
+            </a:r>
+            <a:r>
+              <a:rPr lang="en-GB" sz="1000" dirty="0" smtClean="0">
+                <a:solidFill>
+                  <a:srgbClr val="FF0000"/>
+                </a:solidFill>
+              </a:rPr>
+              <a:t>checked when completed.</a:t>
             </a:r>
           </a:p>
         </p:txBody>
@@ -15093,6 +15236,47 @@
           </a:p>
         </p:txBody>
       </p:sp>
+      <p:pic>
+        <p:nvPicPr>
+          <p:cNvPr id="59" name="Picture 10" descr="alert, attention, danger, error, exclamation, problem, warning icon"/>
+          <p:cNvPicPr>
+            <a:picLocks noChangeAspect="1" noChangeArrowheads="1"/>
+          </p:cNvPicPr>
+          <p:nvPr/>
+        </p:nvPicPr>
+        <p:blipFill>
+          <a:blip r:embed="rId5" cstate="print">
+            <a:extLst>
+              <a:ext uri="{28A0092B-C50C-407E-A947-70E740481C1C}">
+                <a14:useLocalDpi xmlns:a14="http://schemas.microsoft.com/office/drawing/2010/main" val="0"/>
+              </a:ext>
+            </a:extLst>
+          </a:blip>
+          <a:srcRect/>
+          <a:stretch>
+            <a:fillRect/>
+          </a:stretch>
+        </p:blipFill>
+        <p:spPr bwMode="auto">
+          <a:xfrm>
+            <a:off x="6305116" y="1854646"/>
+            <a:ext cx="360000" cy="360000"/>
+          </a:xfrm>
+          <a:prstGeom prst="rect">
+            <a:avLst/>
+          </a:prstGeom>
+          <a:noFill/>
+          <a:extLst>
+            <a:ext uri="{909E8E84-426E-40DD-AFC4-6F175D3DCCD1}">
+              <a14:hiddenFill xmlns:a14="http://schemas.microsoft.com/office/drawing/2010/main">
+                <a:solidFill>
+                  <a:srgbClr val="FFFFFF"/>
+                </a:solidFill>
+              </a14:hiddenFill>
+            </a:ext>
+          </a:extLst>
+        </p:spPr>
+      </p:pic>
     </p:spTree>
     <p:extLst>
       <p:ext uri="{BB962C8B-B14F-4D97-AF65-F5344CB8AC3E}">
@@ -15144,11 +15328,7 @@
             </a:r>
             <a:r>
               <a:rPr lang="en-GB" dirty="0" smtClean="0"/>
-              <a:t>. </a:t>
-            </a:r>
-            <a:r>
-              <a:rPr lang="en-GB" dirty="0" smtClean="0"/>
-              <a:t>Select power</a:t>
+              <a:t>. Select power</a:t>
             </a:r>
             <a:endParaRPr lang="en-GB" dirty="0"/>
           </a:p>
@@ -16572,7 +16752,7 @@
         </p:nvSpPr>
         <p:spPr>
           <a:xfrm>
-            <a:off x="5313313" y="304800"/>
+            <a:off x="5313313" y="629664"/>
             <a:ext cx="3424287" cy="923330"/>
           </a:xfrm>
           <a:prstGeom prst="rect">
